--- a/ppts/19_ts_charts.pptx
+++ b/ppts/19_ts_charts.pptx
@@ -17314,7 +17314,7 @@
                 <a:latin typeface="Trebuchet MS"/>
                 <a:cs typeface="Trebuchet MS"/>
               </a:rPr>
-              <a:t>736</a:t>
+              <a:t>415</a:t>
             </a:r>
             <a:r>
               <a:rPr dirty="0" sz="1800" spc="-110">
@@ -17351,8 +17351,8 @@
         </p:nvSpPr>
         <p:spPr>
           <a:xfrm>
-            <a:off x="5048249" y="5495925"/>
-            <a:ext cx="609599" cy="514349"/>
+            <a:off x="5181599" y="5495925"/>
+            <a:ext cx="600074" cy="514349"/>
           </a:xfrm>
           <a:prstGeom prst="rect">
             <a:avLst/>
@@ -17378,8 +17378,8 @@
         </p:nvSpPr>
         <p:spPr>
           <a:xfrm>
-            <a:off x="5048249" y="5495925"/>
-            <a:ext cx="609600" cy="514350"/>
+            <a:off x="5181599" y="5495925"/>
+            <a:ext cx="600075" cy="514350"/>
           </a:xfrm>
           <a:custGeom>
             <a:avLst/>
@@ -17388,15 +17388,15 @@
             <a:cxnLst/>
             <a:rect l="l" t="t" r="r" b="b"/>
             <a:pathLst>
-              <a:path w="609600" h="514350">
+              <a:path w="600075" h="514350">
                 <a:moveTo>
-                  <a:pt x="595810" y="514349"/>
+                  <a:pt x="586285" y="514349"/>
                 </a:moveTo>
                 <a:lnTo>
                   <a:pt x="13789" y="514349"/>
                 </a:lnTo>
                 <a:lnTo>
-                  <a:pt x="9299" y="512489"/>
+                  <a:pt x="9298" y="512489"/>
                 </a:lnTo>
                 <a:lnTo>
                   <a:pt x="1859" y="505050"/>
@@ -17405,28 +17405,28 @@
                   <a:pt x="0" y="500560"/>
                 </a:lnTo>
                 <a:lnTo>
-                  <a:pt x="0" y="13789"/>
+                  <a:pt x="0" y="13788"/>
                 </a:lnTo>
                 <a:lnTo>
                   <a:pt x="1859" y="9299"/>
                 </a:lnTo>
                 <a:lnTo>
-                  <a:pt x="9299" y="1859"/>
+                  <a:pt x="9298" y="1859"/>
                 </a:lnTo>
                 <a:lnTo>
                   <a:pt x="13789" y="0"/>
                 </a:lnTo>
                 <a:lnTo>
-                  <a:pt x="595810" y="0"/>
-                </a:lnTo>
-                <a:lnTo>
-                  <a:pt x="600300" y="1859"/>
-                </a:lnTo>
-                <a:lnTo>
-                  <a:pt x="607739" y="9299"/>
-                </a:lnTo>
-                <a:lnTo>
-                  <a:pt x="607833" y="9524"/>
+                  <a:pt x="586285" y="0"/>
+                </a:lnTo>
+                <a:lnTo>
+                  <a:pt x="590775" y="1859"/>
+                </a:lnTo>
+                <a:lnTo>
+                  <a:pt x="598214" y="9299"/>
+                </a:lnTo>
+                <a:lnTo>
+                  <a:pt x="598308" y="9524"/>
                 </a:lnTo>
                 <a:lnTo>
                   <a:pt x="16419" y="9524"/>
@@ -17435,16 +17435,16 @@
                   <a:pt x="14174" y="10454"/>
                 </a:lnTo>
                 <a:lnTo>
-                  <a:pt x="10455" y="14174"/>
-                </a:lnTo>
-                <a:lnTo>
-                  <a:pt x="9525" y="16419"/>
-                </a:lnTo>
-                <a:lnTo>
-                  <a:pt x="9525" y="497930"/>
-                </a:lnTo>
-                <a:lnTo>
-                  <a:pt x="10455" y="500175"/>
+                  <a:pt x="10454" y="14174"/>
+                </a:lnTo>
+                <a:lnTo>
+                  <a:pt x="9524" y="16419"/>
+                </a:lnTo>
+                <a:lnTo>
+                  <a:pt x="9524" y="497930"/>
+                </a:lnTo>
+                <a:lnTo>
+                  <a:pt x="10454" y="500175"/>
                 </a:lnTo>
                 <a:lnTo>
                   <a:pt x="14174" y="503894"/>
@@ -17453,58 +17453,58 @@
                   <a:pt x="16419" y="504824"/>
                 </a:lnTo>
                 <a:lnTo>
-                  <a:pt x="607833" y="504824"/>
-                </a:lnTo>
-                <a:lnTo>
-                  <a:pt x="607739" y="505050"/>
-                </a:lnTo>
-                <a:lnTo>
-                  <a:pt x="600300" y="512489"/>
-                </a:lnTo>
-                <a:lnTo>
-                  <a:pt x="595810" y="514349"/>
+                  <a:pt x="598308" y="504824"/>
+                </a:lnTo>
+                <a:lnTo>
+                  <a:pt x="598214" y="505050"/>
+                </a:lnTo>
+                <a:lnTo>
+                  <a:pt x="590775" y="512489"/>
+                </a:lnTo>
+                <a:lnTo>
+                  <a:pt x="586285" y="514349"/>
                 </a:lnTo>
                 <a:close/>
               </a:path>
-              <a:path w="609600" h="514350">
+              <a:path w="600075" h="514350">
                 <a:moveTo>
-                  <a:pt x="607833" y="504824"/>
+                  <a:pt x="598308" y="504824"/>
                 </a:moveTo>
                 <a:lnTo>
-                  <a:pt x="593180" y="504824"/>
-                </a:lnTo>
-                <a:lnTo>
-                  <a:pt x="595425" y="503894"/>
-                </a:lnTo>
-                <a:lnTo>
-                  <a:pt x="599145" y="500175"/>
-                </a:lnTo>
-                <a:lnTo>
-                  <a:pt x="600075" y="497930"/>
-                </a:lnTo>
-                <a:lnTo>
-                  <a:pt x="600075" y="16419"/>
-                </a:lnTo>
-                <a:lnTo>
-                  <a:pt x="599145" y="14174"/>
-                </a:lnTo>
-                <a:lnTo>
-                  <a:pt x="595425" y="10454"/>
-                </a:lnTo>
-                <a:lnTo>
-                  <a:pt x="593180" y="9524"/>
-                </a:lnTo>
-                <a:lnTo>
-                  <a:pt x="607833" y="9524"/>
-                </a:lnTo>
-                <a:lnTo>
-                  <a:pt x="609600" y="13789"/>
-                </a:lnTo>
-                <a:lnTo>
-                  <a:pt x="609600" y="500560"/>
-                </a:lnTo>
-                <a:lnTo>
-                  <a:pt x="607833" y="504824"/>
+                  <a:pt x="583655" y="504824"/>
+                </a:lnTo>
+                <a:lnTo>
+                  <a:pt x="585900" y="503894"/>
+                </a:lnTo>
+                <a:lnTo>
+                  <a:pt x="589620" y="500175"/>
+                </a:lnTo>
+                <a:lnTo>
+                  <a:pt x="590550" y="497930"/>
+                </a:lnTo>
+                <a:lnTo>
+                  <a:pt x="590550" y="16419"/>
+                </a:lnTo>
+                <a:lnTo>
+                  <a:pt x="589620" y="14174"/>
+                </a:lnTo>
+                <a:lnTo>
+                  <a:pt x="585900" y="10454"/>
+                </a:lnTo>
+                <a:lnTo>
+                  <a:pt x="583655" y="9524"/>
+                </a:lnTo>
+                <a:lnTo>
+                  <a:pt x="598308" y="9524"/>
+                </a:lnTo>
+                <a:lnTo>
+                  <a:pt x="600074" y="13788"/>
+                </a:lnTo>
+                <a:lnTo>
+                  <a:pt x="600074" y="500560"/>
+                </a:lnTo>
+                <a:lnTo>
+                  <a:pt x="598308" y="504824"/>
                 </a:lnTo>
                 <a:close/>
               </a:path>
@@ -17530,7 +17530,7 @@
         </p:nvSpPr>
         <p:spPr>
           <a:xfrm>
-            <a:off x="7772648" y="5587999"/>
+            <a:off x="7901086" y="5587999"/>
             <a:ext cx="774065" cy="299720"/>
           </a:xfrm>
           <a:prstGeom prst="rect">
@@ -17599,8 +17599,8 @@
         </p:nvSpPr>
         <p:spPr>
           <a:xfrm>
-            <a:off x="9006730" y="5587999"/>
-            <a:ext cx="410845" cy="299720"/>
+            <a:off x="9135169" y="5587999"/>
+            <a:ext cx="282575" cy="299720"/>
           </a:xfrm>
           <a:prstGeom prst="rect">
             <a:avLst/>
@@ -17628,7 +17628,7 @@
                 <a:latin typeface="Trebuchet MS"/>
                 <a:cs typeface="Trebuchet MS"/>
               </a:rPr>
-              <a:t>148</a:t>
+              <a:t>83</a:t>
             </a:r>
             <a:endParaRPr sz="1800">
               <a:latin typeface="Trebuchet MS"/>
@@ -17880,7 +17880,7 @@
           </a:bodyPr>
           <a:lstStyle/>
           <a:p>
-            <a:pPr marL="3012440">
+            <a:pPr marL="3140710">
               <a:lnSpc>
                 <a:spcPct val="100000"/>
               </a:lnSpc>
@@ -17888,10 +17888,10 @@
                 <a:spcPts val="100"/>
               </a:spcBef>
               <a:tabLst>
-                <a:tab pos="4387850" algn="l"/>
-                <a:tab pos="5011420" algn="l"/>
-                <a:tab pos="5635625" algn="l"/>
-                <a:tab pos="6259195" algn="l"/>
+                <a:tab pos="4516120" algn="l"/>
+                <a:tab pos="5140325" algn="l"/>
+                <a:tab pos="5763895" algn="l"/>
+                <a:tab pos="6388100" algn="l"/>
               </a:tabLst>
             </a:pPr>
             <a:r>
@@ -18441,7 +18441,7 @@
                     <a:bodyPr/>
                     <a:lstStyle/>
                     <a:p>
-                      <a:pPr algn="ctr" marR="5715">
+                      <a:pPr algn="r" marR="151130">
                         <a:lnSpc>
                           <a:spcPct val="100000"/>
                         </a:lnSpc>
@@ -18450,7 +18450,7 @@
                         </a:spcBef>
                       </a:pPr>
                       <a:r>
-                        <a:rPr dirty="0" baseline="-13888" sz="2700" spc="-832" b="1">
+                        <a:rPr dirty="0" baseline="-13888" sz="2700" spc="-345" b="1">
                           <a:solidFill>
                             <a:srgbClr val="333333"/>
                           </a:solidFill>
@@ -18460,7 +18460,7 @@
                         <a:t>G</a:t>
                       </a:r>
                       <a:r>
-                        <a:rPr dirty="0" sz="1450" spc="-555" b="1">
+                        <a:rPr dirty="0" sz="1450" spc="-1430" b="1">
                           <a:solidFill>
                             <a:srgbClr val="333333"/>
                           </a:solidFill>
@@ -18470,7 +18470,7 @@
                         <a:t>▲</a:t>
                       </a:r>
                       <a:r>
-                        <a:rPr dirty="0" baseline="-26819" sz="2175" spc="-832" b="1">
+                        <a:rPr dirty="0" baseline="-26819" sz="2175" b="1">
                           <a:solidFill>
                             <a:srgbClr val="333333"/>
                           </a:solidFill>
@@ -18508,7 +18508,7 @@
                     <a:bodyPr/>
                     <a:lstStyle/>
                     <a:p>
-                      <a:pPr algn="r" marR="166370">
+                      <a:pPr algn="ctr">
                         <a:lnSpc>
                           <a:spcPct val="100000"/>
                         </a:lnSpc>
@@ -18517,27 +18517,17 @@
                         </a:spcBef>
                       </a:pPr>
                       <a:r>
-                        <a:rPr dirty="0" sz="1800" b="1">
+                        <a:rPr dirty="0" sz="1800" spc="-434" b="1">
                           <a:solidFill>
                             <a:srgbClr val="333333"/>
                           </a:solidFill>
                           <a:latin typeface="Trebuchet MS"/>
                           <a:cs typeface="Trebuchet MS"/>
                         </a:rPr>
-                        <a:t>F</a:t>
+                        <a:t>FG</a:t>
                       </a:r>
                       <a:r>
-                        <a:rPr dirty="0" sz="1800" spc="-229" b="1">
-                          <a:solidFill>
-                            <a:srgbClr val="333333"/>
-                          </a:solidFill>
-                          <a:latin typeface="Trebuchet MS"/>
-                          <a:cs typeface="Trebuchet MS"/>
-                        </a:rPr>
-                        <a:t>G</a:t>
-                      </a:r>
-                      <a:r>
-                        <a:rPr dirty="0" baseline="17241" sz="2175" spc="-2145" b="1">
+                        <a:rPr dirty="0" baseline="17241" sz="2175" spc="-652" b="1">
                           <a:solidFill>
                             <a:srgbClr val="333333"/>
                           </a:solidFill>
@@ -18547,7 +18537,7 @@
                         <a:t>▲</a:t>
                       </a:r>
                       <a:r>
-                        <a:rPr dirty="0" baseline="-9578" sz="2175" b="1">
+                        <a:rPr dirty="0" baseline="-9578" sz="2175" spc="-652" b="1">
                           <a:solidFill>
                             <a:srgbClr val="333333"/>
                           </a:solidFill>
@@ -18585,7 +18575,7 @@
                     <a:bodyPr/>
                     <a:lstStyle/>
                     <a:p>
-                      <a:pPr marL="173990">
+                      <a:pPr algn="r" marR="179070">
                         <a:lnSpc>
                           <a:spcPct val="100000"/>
                         </a:lnSpc>
@@ -18594,17 +18584,27 @@
                         </a:spcBef>
                       </a:pPr>
                       <a:r>
-                        <a:rPr dirty="0" sz="1800" spc="-325" b="1">
+                        <a:rPr dirty="0" sz="1800" b="1">
                           <a:solidFill>
                             <a:srgbClr val="333333"/>
                           </a:solidFill>
                           <a:latin typeface="Trebuchet MS"/>
                           <a:cs typeface="Trebuchet MS"/>
                         </a:rPr>
-                        <a:t>FG%</a:t>
+                        <a:t>FG</a:t>
                       </a:r>
                       <a:r>
-                        <a:rPr dirty="0" baseline="17241" sz="2175" spc="-487" b="1">
+                        <a:rPr dirty="0" sz="1800" spc="-229" b="1">
+                          <a:solidFill>
+                            <a:srgbClr val="333333"/>
+                          </a:solidFill>
+                          <a:latin typeface="Trebuchet MS"/>
+                          <a:cs typeface="Trebuchet MS"/>
+                        </a:rPr>
+                        <a:t>%</a:t>
+                      </a:r>
+                      <a:r>
+                        <a:rPr dirty="0" baseline="17241" sz="2175" spc="-2145" b="1">
                           <a:solidFill>
                             <a:srgbClr val="333333"/>
                           </a:solidFill>
@@ -18614,7 +18614,7 @@
                         <a:t>▲</a:t>
                       </a:r>
                       <a:r>
-                        <a:rPr dirty="0" baseline="-9578" sz="2175" spc="-487" b="1">
+                        <a:rPr dirty="0" baseline="-9578" sz="2175" b="1">
                           <a:solidFill>
                             <a:srgbClr val="333333"/>
                           </a:solidFill>
@@ -18882,14 +18882,14 @@
                         </a:spcBef>
                       </a:pPr>
                       <a:r>
-                        <a:rPr dirty="0" sz="1800" spc="40">
+                        <a:rPr dirty="0" sz="1800" spc="15">
                           <a:solidFill>
                             <a:srgbClr val="333333"/>
                           </a:solidFill>
                           <a:latin typeface="Trebuchet MS"/>
                           <a:cs typeface="Trebuchet MS"/>
                         </a:rPr>
-                        <a:t>Shai</a:t>
+                        <a:t>Luka</a:t>
                       </a:r>
                       <a:r>
                         <a:rPr dirty="0" sz="1800" spc="-105">
@@ -18902,14 +18902,34 @@
                         <a:t> </a:t>
                       </a:r>
                       <a:r>
-                        <a:rPr dirty="0" sz="1800" spc="-5">
+                        <a:rPr dirty="0" sz="1800" spc="20">
                           <a:solidFill>
                             <a:srgbClr val="333333"/>
                           </a:solidFill>
                           <a:latin typeface="Trebuchet MS"/>
                           <a:cs typeface="Trebuchet MS"/>
                         </a:rPr>
-                        <a:t>Gilgeous-Alexander</a:t>
+                        <a:t>Don</a:t>
+                      </a:r>
+                      <a:r>
+                        <a:rPr dirty="0" sz="1800" spc="20">
+                          <a:solidFill>
+                            <a:srgbClr val="333333"/>
+                          </a:solidFill>
+                          <a:latin typeface="Arial"/>
+                          <a:cs typeface="Arial"/>
+                        </a:rPr>
+                        <a:t>č</a:t>
+                      </a:r>
+                      <a:r>
+                        <a:rPr dirty="0" sz="1800" spc="20">
+                          <a:solidFill>
+                            <a:srgbClr val="333333"/>
+                          </a:solidFill>
+                          <a:latin typeface="Trebuchet MS"/>
+                          <a:cs typeface="Trebuchet MS"/>
+                        </a:rPr>
+                        <a:t>ić</a:t>
                       </a:r>
                       <a:endParaRPr sz="1800">
                         <a:latin typeface="Trebuchet MS"/>
@@ -19040,7 +19060,7 @@
                     <a:bodyPr/>
                     <a:lstStyle/>
                     <a:p>
-                      <a:pPr algn="ctr" marL="37465">
+                      <a:pPr algn="r" marR="151130">
                         <a:lnSpc>
                           <a:spcPct val="100000"/>
                         </a:lnSpc>
@@ -19049,14 +19069,14 @@
                         </a:spcBef>
                       </a:pPr>
                       <a:r>
-                        <a:rPr dirty="0" sz="1800" spc="65">
+                        <a:rPr dirty="0" sz="1800">
                           <a:solidFill>
                             <a:srgbClr val="333333"/>
                           </a:solidFill>
                           <a:latin typeface="Trebuchet MS"/>
                           <a:cs typeface="Trebuchet MS"/>
                         </a:rPr>
-                        <a:t>76</a:t>
+                        <a:t>2</a:t>
                       </a:r>
                       <a:endParaRPr sz="1800">
                         <a:latin typeface="Trebuchet MS"/>
@@ -19089,7 +19109,7 @@
                     <a:bodyPr/>
                     <a:lstStyle/>
                     <a:p>
-                      <a:pPr algn="r" marR="166370">
+                      <a:pPr algn="ctr" marR="7620">
                         <a:lnSpc>
                           <a:spcPct val="100000"/>
                         </a:lnSpc>
@@ -19105,7 +19125,7 @@
                           <a:latin typeface="Trebuchet MS"/>
                           <a:cs typeface="Trebuchet MS"/>
                         </a:rPr>
-                        <a:t>11.3</a:t>
+                        <a:t>15.5</a:t>
                       </a:r>
                       <a:endParaRPr sz="1800">
                         <a:latin typeface="Trebuchet MS"/>
@@ -19138,7 +19158,7 @@
                     <a:bodyPr/>
                     <a:lstStyle/>
                     <a:p>
-                      <a:pPr marL="202565">
+                      <a:pPr algn="r" marR="179070">
                         <a:lnSpc>
                           <a:spcPct val="100000"/>
                         </a:lnSpc>
@@ -19147,14 +19167,14 @@
                         </a:spcBef>
                       </a:pPr>
                       <a:r>
-                        <a:rPr dirty="0" sz="1800" spc="15">
+                        <a:rPr dirty="0" sz="1800">
                           <a:solidFill>
                             <a:srgbClr val="333333"/>
                           </a:solidFill>
                           <a:latin typeface="Trebuchet MS"/>
                           <a:cs typeface="Trebuchet MS"/>
                         </a:rPr>
-                        <a:t>0.519</a:t>
+                        <a:t>0.62</a:t>
                       </a:r>
                       <a:endParaRPr sz="1800">
                         <a:latin typeface="Trebuchet MS"/>
@@ -19203,7 +19223,7 @@
                           <a:latin typeface="Trebuchet MS"/>
                           <a:cs typeface="Trebuchet MS"/>
                         </a:rPr>
-                        <a:t>0.569</a:t>
+                        <a:t>0.69</a:t>
                       </a:r>
                       <a:endParaRPr sz="1800">
                         <a:latin typeface="Trebuchet MS"/>
@@ -19252,7 +19272,7 @@
                           <a:latin typeface="Trebuchet MS"/>
                           <a:cs typeface="Trebuchet MS"/>
                         </a:rPr>
-                        <a:t>32.7</a:t>
+                        <a:t>46</a:t>
                       </a:r>
                       <a:endParaRPr sz="1800">
                         <a:latin typeface="Trebuchet MS"/>
@@ -19309,14 +19329,14 @@
                         <a:t>2	</a:t>
                       </a:r>
                       <a:r>
-                        <a:rPr dirty="0" sz="1800" spc="15">
+                        <a:rPr dirty="0" sz="1800" spc="-10">
                           <a:solidFill>
                             <a:srgbClr val="333333"/>
                           </a:solidFill>
                           <a:latin typeface="Trebuchet MS"/>
                           <a:cs typeface="Trebuchet MS"/>
                         </a:rPr>
-                        <a:t>Giannis</a:t>
+                        <a:t>Tyrese</a:t>
                       </a:r>
                       <a:r>
                         <a:rPr dirty="0" sz="1800" spc="-105">
@@ -19329,14 +19349,14 @@
                         <a:t> </a:t>
                       </a:r>
                       <a:r>
-                        <a:rPr dirty="0" sz="1800" spc="5">
+                        <a:rPr dirty="0" sz="1800" spc="40">
                           <a:solidFill>
                             <a:srgbClr val="333333"/>
                           </a:solidFill>
                           <a:latin typeface="Trebuchet MS"/>
                           <a:cs typeface="Trebuchet MS"/>
                         </a:rPr>
-                        <a:t>Antetokounmpo</a:t>
+                        <a:t>Maxey</a:t>
                       </a:r>
                       <a:endParaRPr sz="1800">
                         <a:latin typeface="Trebuchet MS"/>
@@ -19383,22 +19403,22 @@
                         </a:spcBef>
                         <a:tabLst>
                           <a:tab pos="1432560" algn="l"/>
-                          <a:tab pos="2031364" algn="l"/>
+                          <a:tab pos="2159635" algn="l"/>
                           <a:tab pos="2605405" algn="l"/>
                           <a:tab pos="3429000" algn="l"/>
                           <a:tab pos="4528820" algn="l"/>
-                          <a:tab pos="5582920" algn="l"/>
+                          <a:tab pos="5772150" algn="l"/>
                         </a:tabLst>
                       </a:pPr>
                       <a:r>
-                        <a:rPr dirty="0" sz="1800" spc="90">
+                        <a:rPr dirty="0" sz="1800" spc="70">
                           <a:solidFill>
                             <a:srgbClr val="333333"/>
                           </a:solidFill>
                           <a:latin typeface="Trebuchet MS"/>
                           <a:cs typeface="Trebuchet MS"/>
                         </a:rPr>
-                        <a:t>PF	</a:t>
+                        <a:t>PG	</a:t>
                       </a:r>
                       <a:r>
                         <a:rPr dirty="0" sz="1800" spc="65">
@@ -19408,7 +19428,7 @@
                           <a:latin typeface="Trebuchet MS"/>
                           <a:cs typeface="Trebuchet MS"/>
                         </a:rPr>
-                        <a:t>30	67	</a:t>
+                        <a:t>25	3	</a:t>
                       </a:r>
                       <a:r>
                         <a:rPr dirty="0" sz="1800">
@@ -19418,7 +19438,7 @@
                           <a:latin typeface="Trebuchet MS"/>
                           <a:cs typeface="Trebuchet MS"/>
                         </a:rPr>
-                        <a:t>11.8	</a:t>
+                        <a:t>11.7	</a:t>
                       </a:r>
                       <a:r>
                         <a:rPr dirty="0" sz="1800" spc="15">
@@ -19428,17 +19448,17 @@
                           <a:latin typeface="Trebuchet MS"/>
                           <a:cs typeface="Trebuchet MS"/>
                         </a:rPr>
-                        <a:t>0.601	0.607	</a:t>
+                        <a:t>0.461	0.559	</a:t>
                       </a:r>
                       <a:r>
-                        <a:rPr dirty="0" sz="1800">
+                        <a:rPr dirty="0" sz="1800" spc="65">
                           <a:solidFill>
                             <a:srgbClr val="333333"/>
                           </a:solidFill>
                           <a:latin typeface="Trebuchet MS"/>
                           <a:cs typeface="Trebuchet MS"/>
                         </a:rPr>
-                        <a:t>30.4</a:t>
+                        <a:t>37</a:t>
                       </a:r>
                       <a:endParaRPr sz="1800">
                         <a:latin typeface="Trebuchet MS"/>
@@ -19589,14 +19609,14 @@
                         </a:spcBef>
                       </a:pPr>
                       <a:r>
-                        <a:rPr dirty="0" sz="1800" spc="10">
+                        <a:rPr dirty="0" sz="1800" spc="15">
                           <a:solidFill>
                             <a:srgbClr val="333333"/>
                           </a:solidFill>
                           <a:latin typeface="Trebuchet MS"/>
                           <a:cs typeface="Trebuchet MS"/>
                         </a:rPr>
-                        <a:t>Nikola</a:t>
+                        <a:t>Giannis</a:t>
                       </a:r>
                       <a:r>
                         <a:rPr dirty="0" sz="1800" spc="-105">
@@ -19609,14 +19629,14 @@
                         <a:t> </a:t>
                       </a:r>
                       <a:r>
-                        <a:rPr dirty="0" sz="1800" spc="35">
+                        <a:rPr dirty="0" sz="1800" spc="5">
                           <a:solidFill>
                             <a:srgbClr val="333333"/>
                           </a:solidFill>
                           <a:latin typeface="Trebuchet MS"/>
                           <a:cs typeface="Trebuchet MS"/>
                         </a:rPr>
-                        <a:t>Jokić</a:t>
+                        <a:t>Antetokounmpo</a:t>
                       </a:r>
                       <a:endParaRPr sz="1800">
                         <a:latin typeface="Trebuchet MS"/>
@@ -19658,14 +19678,14 @@
                         </a:spcBef>
                       </a:pPr>
                       <a:r>
-                        <a:rPr dirty="0" sz="1800">
+                        <a:rPr dirty="0" sz="1800" spc="90">
                           <a:solidFill>
                             <a:srgbClr val="333333"/>
                           </a:solidFill>
                           <a:latin typeface="Trebuchet MS"/>
                           <a:cs typeface="Trebuchet MS"/>
                         </a:rPr>
-                        <a:t>C</a:t>
+                        <a:t>PF</a:t>
                       </a:r>
                       <a:endParaRPr sz="1800">
                         <a:latin typeface="Trebuchet MS"/>
@@ -19714,7 +19734,7 @@
                           <a:latin typeface="Trebuchet MS"/>
                           <a:cs typeface="Trebuchet MS"/>
                         </a:rPr>
-                        <a:t>29</a:t>
+                        <a:t>31</a:t>
                       </a:r>
                       <a:endParaRPr sz="1800">
                         <a:latin typeface="Trebuchet MS"/>
@@ -19747,7 +19767,7 @@
                     <a:bodyPr/>
                     <a:lstStyle/>
                     <a:p>
-                      <a:pPr algn="ctr" marL="37465">
+                      <a:pPr algn="r" marR="151130">
                         <a:lnSpc>
                           <a:spcPct val="100000"/>
                         </a:lnSpc>
@@ -19756,14 +19776,14 @@
                         </a:spcBef>
                       </a:pPr>
                       <a:r>
-                        <a:rPr dirty="0" sz="1800" spc="65">
+                        <a:rPr dirty="0" sz="1800">
                           <a:solidFill>
                             <a:srgbClr val="333333"/>
                           </a:solidFill>
                           <a:latin typeface="Trebuchet MS"/>
                           <a:cs typeface="Trebuchet MS"/>
                         </a:rPr>
-                        <a:t>70</a:t>
+                        <a:t>3</a:t>
                       </a:r>
                       <a:endParaRPr sz="1800">
                         <a:latin typeface="Trebuchet MS"/>
@@ -19796,7 +19816,7 @@
                     <a:bodyPr/>
                     <a:lstStyle/>
                     <a:p>
-                      <a:pPr algn="r" marR="166370">
+                      <a:pPr algn="ctr" marR="7620">
                         <a:lnSpc>
                           <a:spcPct val="100000"/>
                         </a:lnSpc>
@@ -19812,7 +19832,7 @@
                           <a:latin typeface="Trebuchet MS"/>
                           <a:cs typeface="Trebuchet MS"/>
                         </a:rPr>
-                        <a:t>11.2</a:t>
+                        <a:t>13.7</a:t>
                       </a:r>
                       <a:endParaRPr sz="1800">
                         <a:latin typeface="Trebuchet MS"/>
@@ -19845,7 +19865,7 @@
                     <a:bodyPr/>
                     <a:lstStyle/>
                     <a:p>
-                      <a:pPr marL="202565">
+                      <a:pPr algn="r" marR="179070">
                         <a:lnSpc>
                           <a:spcPct val="100000"/>
                         </a:lnSpc>
@@ -19854,14 +19874,14 @@
                         </a:spcBef>
                       </a:pPr>
                       <a:r>
-                        <a:rPr dirty="0" sz="1800" spc="15">
+                        <a:rPr dirty="0" sz="1800">
                           <a:solidFill>
                             <a:srgbClr val="333333"/>
                           </a:solidFill>
                           <a:latin typeface="Trebuchet MS"/>
                           <a:cs typeface="Trebuchet MS"/>
                         </a:rPr>
-                        <a:t>0.576</a:t>
+                        <a:t>0.683</a:t>
                       </a:r>
                       <a:endParaRPr sz="1800">
                         <a:latin typeface="Trebuchet MS"/>
@@ -19910,7 +19930,7 @@
                           <a:latin typeface="Trebuchet MS"/>
                           <a:cs typeface="Trebuchet MS"/>
                         </a:rPr>
-                        <a:t>0.627</a:t>
+                        <a:t>0.717</a:t>
                       </a:r>
                       <a:endParaRPr sz="1800">
                         <a:latin typeface="Trebuchet MS"/>
@@ -19959,7 +19979,7 @@
                           <a:latin typeface="Trebuchet MS"/>
                           <a:cs typeface="Trebuchet MS"/>
                         </a:rPr>
-                        <a:t>29.6</a:t>
+                        <a:t>36</a:t>
                       </a:r>
                       <a:endParaRPr sz="1800">
                         <a:latin typeface="Trebuchet MS"/>
@@ -20016,14 +20036,14 @@
                         <a:t>4	</a:t>
                       </a:r>
                       <a:r>
-                        <a:rPr dirty="0" sz="1800" spc="15">
+                        <a:rPr dirty="0" sz="1800" spc="40">
                           <a:solidFill>
                             <a:srgbClr val="333333"/>
                           </a:solidFill>
                           <a:latin typeface="Trebuchet MS"/>
                           <a:cs typeface="Trebuchet MS"/>
                         </a:rPr>
-                        <a:t>Luka</a:t>
+                        <a:t>Shai</a:t>
                       </a:r>
                       <a:r>
                         <a:rPr dirty="0" sz="1800" spc="-105">
@@ -20036,34 +20056,14 @@
                         <a:t> </a:t>
                       </a:r>
                       <a:r>
-                        <a:rPr dirty="0" sz="1800" spc="20">
+                        <a:rPr dirty="0" sz="1800" spc="-5">
                           <a:solidFill>
                             <a:srgbClr val="333333"/>
                           </a:solidFill>
                           <a:latin typeface="Trebuchet MS"/>
                           <a:cs typeface="Trebuchet MS"/>
                         </a:rPr>
-                        <a:t>Don</a:t>
-                      </a:r>
-                      <a:r>
-                        <a:rPr dirty="0" sz="1800" spc="20">
-                          <a:solidFill>
-                            <a:srgbClr val="333333"/>
-                          </a:solidFill>
-                          <a:latin typeface="Arial"/>
-                          <a:cs typeface="Arial"/>
-                        </a:rPr>
-                        <a:t>č</a:t>
-                      </a:r>
-                      <a:r>
-                        <a:rPr dirty="0" sz="1800" spc="20">
-                          <a:solidFill>
-                            <a:srgbClr val="333333"/>
-                          </a:solidFill>
-                          <a:latin typeface="Trebuchet MS"/>
-                          <a:cs typeface="Trebuchet MS"/>
-                        </a:rPr>
-                        <a:t>ić</a:t>
+                        <a:t>Gilgeous-Alexander</a:t>
                       </a:r>
                       <a:endParaRPr sz="1800">
                         <a:latin typeface="Trebuchet MS"/>
@@ -20110,8 +20110,8 @@
                         </a:spcBef>
                         <a:tabLst>
                           <a:tab pos="1432560" algn="l"/>
-                          <a:tab pos="2031364" algn="l"/>
-                          <a:tab pos="2734310" algn="l"/>
+                          <a:tab pos="2159635" algn="l"/>
+                          <a:tab pos="2605405" algn="l"/>
                           <a:tab pos="3557270" algn="l"/>
                           <a:tab pos="4528820" algn="l"/>
                           <a:tab pos="5582920" algn="l"/>
@@ -20135,17 +20135,7 @@
                           <a:latin typeface="Trebuchet MS"/>
                           <a:cs typeface="Trebuchet MS"/>
                         </a:rPr>
-                        <a:t>25	50	</a:t>
-                      </a:r>
-                      <a:r>
-                        <a:rPr dirty="0" sz="1800" spc="-20">
-                          <a:solidFill>
-                            <a:srgbClr val="333333"/>
-                          </a:solidFill>
-                          <a:latin typeface="Trebuchet MS"/>
-                          <a:cs typeface="Trebuchet MS"/>
-                        </a:rPr>
-                        <a:t>9.2	</a:t>
+                        <a:t>27	4	</a:t>
                       </a:r>
                       <a:r>
                         <a:rPr dirty="0" sz="1800">
@@ -20155,7 +20145,7 @@
                           <a:latin typeface="Trebuchet MS"/>
                           <a:cs typeface="Trebuchet MS"/>
                         </a:rPr>
-                        <a:t>0.45	</a:t>
+                        <a:t>12.3	0.51	</a:t>
                       </a:r>
                       <a:r>
                         <a:rPr dirty="0" sz="1800" spc="15">
@@ -20165,7 +20155,7 @@
                           <a:latin typeface="Trebuchet MS"/>
                           <a:cs typeface="Trebuchet MS"/>
                         </a:rPr>
-                        <a:t>0.536	</a:t>
+                        <a:t>0.542	</a:t>
                       </a:r>
                       <a:r>
                         <a:rPr dirty="0" sz="1800">
@@ -20175,7 +20165,7 @@
                           <a:latin typeface="Trebuchet MS"/>
                           <a:cs typeface="Trebuchet MS"/>
                         </a:rPr>
-                        <a:t>28.2</a:t>
+                        <a:t>35.8</a:t>
                       </a:r>
                       <a:endParaRPr sz="1800">
                         <a:latin typeface="Trebuchet MS"/>
@@ -20326,14 +20316,14 @@
                         </a:spcBef>
                       </a:pPr>
                       <a:r>
-                        <a:rPr dirty="0" sz="1800" spc="15">
+                        <a:rPr dirty="0" sz="1800" spc="20">
                           <a:solidFill>
                             <a:srgbClr val="333333"/>
                           </a:solidFill>
                           <a:latin typeface="Trebuchet MS"/>
                           <a:cs typeface="Trebuchet MS"/>
                         </a:rPr>
-                        <a:t>Luka</a:t>
+                        <a:t>Austin</a:t>
                       </a:r>
                       <a:r>
                         <a:rPr dirty="0" sz="1800" spc="-105">
@@ -20346,34 +20336,14 @@
                         <a:t> </a:t>
                       </a:r>
                       <a:r>
-                        <a:rPr dirty="0" sz="1800" spc="20">
+                        <a:rPr dirty="0" sz="1800" spc="30">
                           <a:solidFill>
                             <a:srgbClr val="333333"/>
                           </a:solidFill>
                           <a:latin typeface="Trebuchet MS"/>
                           <a:cs typeface="Trebuchet MS"/>
                         </a:rPr>
-                        <a:t>Don</a:t>
-                      </a:r>
-                      <a:r>
-                        <a:rPr dirty="0" sz="1800" spc="20">
-                          <a:solidFill>
-                            <a:srgbClr val="333333"/>
-                          </a:solidFill>
-                          <a:latin typeface="Arial"/>
-                          <a:cs typeface="Arial"/>
-                        </a:rPr>
-                        <a:t>č</a:t>
-                      </a:r>
-                      <a:r>
-                        <a:rPr dirty="0" sz="1800" spc="20">
-                          <a:solidFill>
-                            <a:srgbClr val="333333"/>
-                          </a:solidFill>
-                          <a:latin typeface="Trebuchet MS"/>
-                          <a:cs typeface="Trebuchet MS"/>
-                        </a:rPr>
-                        <a:t>ić</a:t>
+                        <a:t>Reaves</a:t>
                       </a:r>
                       <a:endParaRPr sz="1800">
                         <a:latin typeface="Trebuchet MS"/>
@@ -20415,14 +20385,14 @@
                         </a:spcBef>
                       </a:pPr>
                       <a:r>
-                        <a:rPr dirty="0" sz="1800" spc="70">
+                        <a:rPr dirty="0" sz="1800" spc="105">
                           <a:solidFill>
                             <a:srgbClr val="333333"/>
                           </a:solidFill>
                           <a:latin typeface="Trebuchet MS"/>
                           <a:cs typeface="Trebuchet MS"/>
                         </a:rPr>
-                        <a:t>PG</a:t>
+                        <a:t>SG</a:t>
                       </a:r>
                       <a:endParaRPr sz="1800">
                         <a:latin typeface="Trebuchet MS"/>
@@ -20471,7 +20441,7 @@
                           <a:latin typeface="Trebuchet MS"/>
                           <a:cs typeface="Trebuchet MS"/>
                         </a:rPr>
-                        <a:t>25</a:t>
+                        <a:t>27</a:t>
                       </a:r>
                       <a:endParaRPr sz="1800">
                         <a:latin typeface="Trebuchet MS"/>
@@ -20504,7 +20474,7 @@
                     <a:bodyPr/>
                     <a:lstStyle/>
                     <a:p>
-                      <a:pPr algn="ctr" marL="37465">
+                      <a:pPr algn="r" marR="151130">
                         <a:lnSpc>
                           <a:spcPct val="100000"/>
                         </a:lnSpc>
@@ -20513,14 +20483,14 @@
                         </a:spcBef>
                       </a:pPr>
                       <a:r>
-                        <a:rPr dirty="0" sz="1800" spc="65">
+                        <a:rPr dirty="0" sz="1800">
                           <a:solidFill>
                             <a:srgbClr val="333333"/>
                           </a:solidFill>
                           <a:latin typeface="Trebuchet MS"/>
                           <a:cs typeface="Trebuchet MS"/>
                         </a:rPr>
-                        <a:t>28</a:t>
+                        <a:t>4</a:t>
                       </a:r>
                       <a:endParaRPr sz="1800">
                         <a:latin typeface="Trebuchet MS"/>
@@ -20553,7 +20523,7 @@
                     <a:bodyPr/>
                     <a:lstStyle/>
                     <a:p>
-                      <a:pPr algn="r" marR="166370">
+                      <a:pPr algn="ctr" marR="7620">
                         <a:lnSpc>
                           <a:spcPct val="100000"/>
                         </a:lnSpc>
@@ -20569,7 +20539,7 @@
                           <a:latin typeface="Trebuchet MS"/>
                           <a:cs typeface="Trebuchet MS"/>
                         </a:rPr>
-                        <a:t>8.8</a:t>
+                        <a:t>10.8</a:t>
                       </a:r>
                       <a:endParaRPr sz="1800">
                         <a:latin typeface="Trebuchet MS"/>
@@ -20602,7 +20572,7 @@
                     <a:bodyPr/>
                     <a:lstStyle/>
                     <a:p>
-                      <a:pPr marL="202565">
+                      <a:pPr algn="r" marR="179070">
                         <a:lnSpc>
                           <a:spcPct val="100000"/>
                         </a:lnSpc>
@@ -20611,14 +20581,14 @@
                         </a:spcBef>
                       </a:pPr>
                       <a:r>
-                        <a:rPr dirty="0" sz="1800" spc="15">
+                        <a:rPr dirty="0" sz="1800">
                           <a:solidFill>
                             <a:srgbClr val="333333"/>
                           </a:solidFill>
                           <a:latin typeface="Trebuchet MS"/>
                           <a:cs typeface="Trebuchet MS"/>
                         </a:rPr>
-                        <a:t>0.438</a:t>
+                        <a:t>0.573</a:t>
                       </a:r>
                       <a:endParaRPr sz="1800">
                         <a:latin typeface="Trebuchet MS"/>
@@ -20667,7 +20637,7 @@
                           <a:latin typeface="Trebuchet MS"/>
                           <a:cs typeface="Trebuchet MS"/>
                         </a:rPr>
-                        <a:t>0.53</a:t>
+                        <a:t>0.653</a:t>
                       </a:r>
                       <a:endParaRPr sz="1800">
                         <a:latin typeface="Trebuchet MS"/>
@@ -20716,7 +20686,7 @@
                           <a:latin typeface="Trebuchet MS"/>
                           <a:cs typeface="Trebuchet MS"/>
                         </a:rPr>
-                        <a:t>28.2</a:t>
+                        <a:t>35.8</a:t>
                       </a:r>
                       <a:endParaRPr sz="1800">
                         <a:latin typeface="Trebuchet MS"/>
